--- a/source/prestopronto_new.pptx
+++ b/source/prestopronto_new.pptx
@@ -104,6 +104,22 @@
       </a:defRPr>
     </a:lvl9pPr>
   </p:defaultTextStyle>
+  <p:extLst>
+    <p:ext uri="{EFAFB233-063F-42B5-8137-9DF3F51BA10A}">
+      <p15:sldGuideLst xmlns:p15="http://schemas.microsoft.com/office/powerpoint/2012/main">
+        <p15:guide id="1" orient="horz" pos="2160">
+          <p15:clr>
+            <a:srgbClr val="A4A3A4"/>
+          </p15:clr>
+        </p15:guide>
+        <p15:guide id="2" pos="2880">
+          <p15:clr>
+            <a:srgbClr val="A4A3A4"/>
+          </p15:clr>
+        </p15:guide>
+      </p15:sldGuideLst>
+    </p:ext>
+  </p:extLst>
 </p:presentation>
 </file>
 
@@ -289,7 +305,7 @@
             <a:fld id="{AFE35733-3AEA-4003-A491-C99BA3CD612C}" type="datetimeFigureOut">
               <a:rPr lang="en-US" smtClean="0"/>
               <a:pPr/>
-              <a:t>1/9/2015</a:t>
+              <a:t>2/17/2017</a:t>
             </a:fld>
             <a:endParaRPr lang="en-US"/>
           </a:p>
@@ -332,7 +348,7 @@
             <a:fld id="{309FE4B0-122A-40C3-9817-FE474F97666D}" type="slidenum">
               <a:rPr lang="en-US" smtClean="0"/>
               <a:pPr/>
-              <a:t>‹nº›</a:t>
+              <a:t>‹N°›</a:t>
             </a:fld>
             <a:endParaRPr lang="en-US"/>
           </a:p>
@@ -341,7 +357,7 @@
     </p:spTree>
     <p:extLst>
       <p:ext uri="{BB962C8B-B14F-4D97-AF65-F5344CB8AC3E}">
-        <p14:creationId xmlns="" xmlns:p14="http://schemas.microsoft.com/office/powerpoint/2010/main" val="3455389510"/>
+        <p14:creationId xmlns:p14="http://schemas.microsoft.com/office/powerpoint/2010/main" val="3455389510"/>
       </p:ext>
     </p:extLst>
   </p:cSld>
@@ -461,7 +477,7 @@
             <a:fld id="{AFE35733-3AEA-4003-A491-C99BA3CD612C}" type="datetimeFigureOut">
               <a:rPr lang="en-US" smtClean="0"/>
               <a:pPr/>
-              <a:t>1/9/2015</a:t>
+              <a:t>2/17/2017</a:t>
             </a:fld>
             <a:endParaRPr lang="en-US"/>
           </a:p>
@@ -504,7 +520,7 @@
             <a:fld id="{309FE4B0-122A-40C3-9817-FE474F97666D}" type="slidenum">
               <a:rPr lang="en-US" smtClean="0"/>
               <a:pPr/>
-              <a:t>‹nº›</a:t>
+              <a:t>‹N°›</a:t>
             </a:fld>
             <a:endParaRPr lang="en-US"/>
           </a:p>
@@ -513,7 +529,7 @@
     </p:spTree>
     <p:extLst>
       <p:ext uri="{BB962C8B-B14F-4D97-AF65-F5344CB8AC3E}">
-        <p14:creationId xmlns="" xmlns:p14="http://schemas.microsoft.com/office/powerpoint/2010/main" val="2149244081"/>
+        <p14:creationId xmlns:p14="http://schemas.microsoft.com/office/powerpoint/2010/main" val="2149244081"/>
       </p:ext>
     </p:extLst>
   </p:cSld>
@@ -643,7 +659,7 @@
             <a:fld id="{AFE35733-3AEA-4003-A491-C99BA3CD612C}" type="datetimeFigureOut">
               <a:rPr lang="en-US" smtClean="0"/>
               <a:pPr/>
-              <a:t>1/9/2015</a:t>
+              <a:t>2/17/2017</a:t>
             </a:fld>
             <a:endParaRPr lang="en-US"/>
           </a:p>
@@ -686,7 +702,7 @@
             <a:fld id="{309FE4B0-122A-40C3-9817-FE474F97666D}" type="slidenum">
               <a:rPr lang="en-US" smtClean="0"/>
               <a:pPr/>
-              <a:t>‹nº›</a:t>
+              <a:t>‹N°›</a:t>
             </a:fld>
             <a:endParaRPr lang="en-US"/>
           </a:p>
@@ -695,7 +711,7 @@
     </p:spTree>
     <p:extLst>
       <p:ext uri="{BB962C8B-B14F-4D97-AF65-F5344CB8AC3E}">
-        <p14:creationId xmlns="" xmlns:p14="http://schemas.microsoft.com/office/powerpoint/2010/main" val="2092874830"/>
+        <p14:creationId xmlns:p14="http://schemas.microsoft.com/office/powerpoint/2010/main" val="2092874830"/>
       </p:ext>
     </p:extLst>
   </p:cSld>
@@ -815,7 +831,7 @@
             <a:fld id="{AFE35733-3AEA-4003-A491-C99BA3CD612C}" type="datetimeFigureOut">
               <a:rPr lang="en-US" smtClean="0"/>
               <a:pPr/>
-              <a:t>1/9/2015</a:t>
+              <a:t>2/17/2017</a:t>
             </a:fld>
             <a:endParaRPr lang="en-US"/>
           </a:p>
@@ -858,7 +874,7 @@
             <a:fld id="{309FE4B0-122A-40C3-9817-FE474F97666D}" type="slidenum">
               <a:rPr lang="en-US" smtClean="0"/>
               <a:pPr/>
-              <a:t>‹nº›</a:t>
+              <a:t>‹N°›</a:t>
             </a:fld>
             <a:endParaRPr lang="en-US"/>
           </a:p>
@@ -867,7 +883,7 @@
     </p:spTree>
     <p:extLst>
       <p:ext uri="{BB962C8B-B14F-4D97-AF65-F5344CB8AC3E}">
-        <p14:creationId xmlns="" xmlns:p14="http://schemas.microsoft.com/office/powerpoint/2010/main" val="1671093181"/>
+        <p14:creationId xmlns:p14="http://schemas.microsoft.com/office/powerpoint/2010/main" val="1671093181"/>
       </p:ext>
     </p:extLst>
   </p:cSld>
@@ -1063,7 +1079,7 @@
             <a:fld id="{AFE35733-3AEA-4003-A491-C99BA3CD612C}" type="datetimeFigureOut">
               <a:rPr lang="en-US" smtClean="0"/>
               <a:pPr/>
-              <a:t>1/9/2015</a:t>
+              <a:t>2/17/2017</a:t>
             </a:fld>
             <a:endParaRPr lang="en-US"/>
           </a:p>
@@ -1106,7 +1122,7 @@
             <a:fld id="{309FE4B0-122A-40C3-9817-FE474F97666D}" type="slidenum">
               <a:rPr lang="en-US" smtClean="0"/>
               <a:pPr/>
-              <a:t>‹nº›</a:t>
+              <a:t>‹N°›</a:t>
             </a:fld>
             <a:endParaRPr lang="en-US"/>
           </a:p>
@@ -1115,7 +1131,7 @@
     </p:spTree>
     <p:extLst>
       <p:ext uri="{BB962C8B-B14F-4D97-AF65-F5344CB8AC3E}">
-        <p14:creationId xmlns="" xmlns:p14="http://schemas.microsoft.com/office/powerpoint/2010/main" val="1041995338"/>
+        <p14:creationId xmlns:p14="http://schemas.microsoft.com/office/powerpoint/2010/main" val="1041995338"/>
       </p:ext>
     </p:extLst>
   </p:cSld>
@@ -1353,7 +1369,7 @@
             <a:fld id="{AFE35733-3AEA-4003-A491-C99BA3CD612C}" type="datetimeFigureOut">
               <a:rPr lang="en-US" smtClean="0"/>
               <a:pPr/>
-              <a:t>1/9/2015</a:t>
+              <a:t>2/17/2017</a:t>
             </a:fld>
             <a:endParaRPr lang="en-US"/>
           </a:p>
@@ -1396,7 +1412,7 @@
             <a:fld id="{309FE4B0-122A-40C3-9817-FE474F97666D}" type="slidenum">
               <a:rPr lang="en-US" smtClean="0"/>
               <a:pPr/>
-              <a:t>‹nº›</a:t>
+              <a:t>‹N°›</a:t>
             </a:fld>
             <a:endParaRPr lang="en-US"/>
           </a:p>
@@ -1405,7 +1421,7 @@
     </p:spTree>
     <p:extLst>
       <p:ext uri="{BB962C8B-B14F-4D97-AF65-F5344CB8AC3E}">
-        <p14:creationId xmlns="" xmlns:p14="http://schemas.microsoft.com/office/powerpoint/2010/main" val="2135833345"/>
+        <p14:creationId xmlns:p14="http://schemas.microsoft.com/office/powerpoint/2010/main" val="2135833345"/>
       </p:ext>
     </p:extLst>
   </p:cSld>
@@ -1777,7 +1793,7 @@
             <a:fld id="{AFE35733-3AEA-4003-A491-C99BA3CD612C}" type="datetimeFigureOut">
               <a:rPr lang="en-US" smtClean="0"/>
               <a:pPr/>
-              <a:t>1/9/2015</a:t>
+              <a:t>2/17/2017</a:t>
             </a:fld>
             <a:endParaRPr lang="en-US"/>
           </a:p>
@@ -1820,7 +1836,7 @@
             <a:fld id="{309FE4B0-122A-40C3-9817-FE474F97666D}" type="slidenum">
               <a:rPr lang="en-US" smtClean="0"/>
               <a:pPr/>
-              <a:t>‹nº›</a:t>
+              <a:t>‹N°›</a:t>
             </a:fld>
             <a:endParaRPr lang="en-US"/>
           </a:p>
@@ -1829,7 +1845,7 @@
     </p:spTree>
     <p:extLst>
       <p:ext uri="{BB962C8B-B14F-4D97-AF65-F5344CB8AC3E}">
-        <p14:creationId xmlns="" xmlns:p14="http://schemas.microsoft.com/office/powerpoint/2010/main" val="2704731412"/>
+        <p14:creationId xmlns:p14="http://schemas.microsoft.com/office/powerpoint/2010/main" val="2704731412"/>
       </p:ext>
     </p:extLst>
   </p:cSld>
@@ -1897,7 +1913,7 @@
             <a:fld id="{AFE35733-3AEA-4003-A491-C99BA3CD612C}" type="datetimeFigureOut">
               <a:rPr lang="en-US" smtClean="0"/>
               <a:pPr/>
-              <a:t>1/9/2015</a:t>
+              <a:t>2/17/2017</a:t>
             </a:fld>
             <a:endParaRPr lang="en-US"/>
           </a:p>
@@ -1940,7 +1956,7 @@
             <a:fld id="{309FE4B0-122A-40C3-9817-FE474F97666D}" type="slidenum">
               <a:rPr lang="en-US" smtClean="0"/>
               <a:pPr/>
-              <a:t>‹nº›</a:t>
+              <a:t>‹N°›</a:t>
             </a:fld>
             <a:endParaRPr lang="en-US"/>
           </a:p>
@@ -1949,7 +1965,7 @@
     </p:spTree>
     <p:extLst>
       <p:ext uri="{BB962C8B-B14F-4D97-AF65-F5344CB8AC3E}">
-        <p14:creationId xmlns="" xmlns:p14="http://schemas.microsoft.com/office/powerpoint/2010/main" val="961537038"/>
+        <p14:creationId xmlns:p14="http://schemas.microsoft.com/office/powerpoint/2010/main" val="961537038"/>
       </p:ext>
     </p:extLst>
   </p:cSld>
@@ -1994,7 +2010,7 @@
             <a:fld id="{AFE35733-3AEA-4003-A491-C99BA3CD612C}" type="datetimeFigureOut">
               <a:rPr lang="en-US" smtClean="0"/>
               <a:pPr/>
-              <a:t>1/9/2015</a:t>
+              <a:t>2/17/2017</a:t>
             </a:fld>
             <a:endParaRPr lang="en-US"/>
           </a:p>
@@ -2037,7 +2053,7 @@
             <a:fld id="{309FE4B0-122A-40C3-9817-FE474F97666D}" type="slidenum">
               <a:rPr lang="en-US" smtClean="0"/>
               <a:pPr/>
-              <a:t>‹nº›</a:t>
+              <a:t>‹N°›</a:t>
             </a:fld>
             <a:endParaRPr lang="en-US"/>
           </a:p>
@@ -2046,7 +2062,7 @@
     </p:spTree>
     <p:extLst>
       <p:ext uri="{BB962C8B-B14F-4D97-AF65-F5344CB8AC3E}">
-        <p14:creationId xmlns="" xmlns:p14="http://schemas.microsoft.com/office/powerpoint/2010/main" val="287962136"/>
+        <p14:creationId xmlns:p14="http://schemas.microsoft.com/office/powerpoint/2010/main" val="287962136"/>
       </p:ext>
     </p:extLst>
   </p:cSld>
@@ -2273,7 +2289,7 @@
             <a:fld id="{AFE35733-3AEA-4003-A491-C99BA3CD612C}" type="datetimeFigureOut">
               <a:rPr lang="en-US" smtClean="0"/>
               <a:pPr/>
-              <a:t>1/9/2015</a:t>
+              <a:t>2/17/2017</a:t>
             </a:fld>
             <a:endParaRPr lang="en-US"/>
           </a:p>
@@ -2316,7 +2332,7 @@
             <a:fld id="{309FE4B0-122A-40C3-9817-FE474F97666D}" type="slidenum">
               <a:rPr lang="en-US" smtClean="0"/>
               <a:pPr/>
-              <a:t>‹nº›</a:t>
+              <a:t>‹N°›</a:t>
             </a:fld>
             <a:endParaRPr lang="en-US"/>
           </a:p>
@@ -2325,7 +2341,7 @@
     </p:spTree>
     <p:extLst>
       <p:ext uri="{BB962C8B-B14F-4D97-AF65-F5344CB8AC3E}">
-        <p14:creationId xmlns="" xmlns:p14="http://schemas.microsoft.com/office/powerpoint/2010/main" val="2109617146"/>
+        <p14:creationId xmlns:p14="http://schemas.microsoft.com/office/powerpoint/2010/main" val="2109617146"/>
       </p:ext>
     </p:extLst>
   </p:cSld>
@@ -2528,7 +2544,7 @@
             <a:fld id="{AFE35733-3AEA-4003-A491-C99BA3CD612C}" type="datetimeFigureOut">
               <a:rPr lang="en-US" smtClean="0"/>
               <a:pPr/>
-              <a:t>1/9/2015</a:t>
+              <a:t>2/17/2017</a:t>
             </a:fld>
             <a:endParaRPr lang="en-US"/>
           </a:p>
@@ -2571,7 +2587,7 @@
             <a:fld id="{309FE4B0-122A-40C3-9817-FE474F97666D}" type="slidenum">
               <a:rPr lang="en-US" smtClean="0"/>
               <a:pPr/>
-              <a:t>‹nº›</a:t>
+              <a:t>‹N°›</a:t>
             </a:fld>
             <a:endParaRPr lang="en-US"/>
           </a:p>
@@ -2580,7 +2596,7 @@
     </p:spTree>
     <p:extLst>
       <p:ext uri="{BB962C8B-B14F-4D97-AF65-F5344CB8AC3E}">
-        <p14:creationId xmlns="" xmlns:p14="http://schemas.microsoft.com/office/powerpoint/2010/main" val="100591889"/>
+        <p14:creationId xmlns:p14="http://schemas.microsoft.com/office/powerpoint/2010/main" val="100591889"/>
       </p:ext>
     </p:extLst>
   </p:cSld>
@@ -2743,7 +2759,7 @@
             <a:fld id="{AFE35733-3AEA-4003-A491-C99BA3CD612C}" type="datetimeFigureOut">
               <a:rPr lang="en-US" smtClean="0"/>
               <a:pPr/>
-              <a:t>1/9/2015</a:t>
+              <a:t>2/17/2017</a:t>
             </a:fld>
             <a:endParaRPr lang="en-US"/>
           </a:p>
@@ -2822,7 +2838,7 @@
             <a:fld id="{309FE4B0-122A-40C3-9817-FE474F97666D}" type="slidenum">
               <a:rPr lang="en-US" smtClean="0"/>
               <a:pPr/>
-              <a:t>‹nº›</a:t>
+              <a:t>‹N°›</a:t>
             </a:fld>
             <a:endParaRPr lang="en-US"/>
           </a:p>
@@ -2831,7 +2847,7 @@
     </p:spTree>
     <p:extLst>
       <p:ext uri="{BB962C8B-B14F-4D97-AF65-F5344CB8AC3E}">
-        <p14:creationId xmlns="" xmlns:p14="http://schemas.microsoft.com/office/powerpoint/2010/main" val="3714662995"/>
+        <p14:creationId xmlns:p14="http://schemas.microsoft.com/office/powerpoint/2010/main" val="3714662995"/>
       </p:ext>
     </p:extLst>
   </p:cSld>
@@ -3506,84 +3522,6 @@
           </p:txBody>
         </p:sp>
       </p:grpSp>
-      <p:sp>
-        <p:nvSpPr>
-          <p:cNvPr id="5" name="Rectangle 4"/>
-          <p:cNvSpPr/>
-          <p:nvPr/>
-        </p:nvSpPr>
-        <p:spPr>
-          <a:xfrm>
-            <a:off x="2987824" y="2420888"/>
-            <a:ext cx="3182603" cy="307777"/>
-          </a:xfrm>
-          <a:prstGeom prst="rect">
-            <a:avLst/>
-          </a:prstGeom>
-          <a:solidFill>
-            <a:srgbClr val="FFFF00"/>
-          </a:solidFill>
-          <a:ln>
-            <a:solidFill>
-              <a:schemeClr val="bg1"/>
-            </a:solidFill>
-          </a:ln>
-        </p:spPr>
-        <p:style>
-          <a:lnRef idx="2">
-            <a:schemeClr val="dk1"/>
-          </a:lnRef>
-          <a:fillRef idx="1">
-            <a:schemeClr val="lt1"/>
-          </a:fillRef>
-          <a:effectRef idx="0">
-            <a:schemeClr val="dk1"/>
-          </a:effectRef>
-          <a:fontRef idx="minor">
-            <a:schemeClr val="dk1"/>
-          </a:fontRef>
-        </p:style>
-        <p:txBody>
-          <a:bodyPr wrap="none">
-            <a:spAutoFit/>
-          </a:bodyPr>
-          <a:lstStyle/>
-          <a:p>
-            <a:r>
-              <a:rPr lang="en-US" sz="1400" dirty="0">
-                <a:solidFill>
-                  <a:srgbClr val="FF0000"/>
-                </a:solidFill>
-                <a:hlinkClick r:id="rId5"/>
-              </a:rPr>
-              <a:t>http</a:t>
-            </a:r>
-            <a:r>
-              <a:rPr lang="en-US" sz="1400" dirty="0" smtClean="0">
-                <a:solidFill>
-                  <a:srgbClr val="FF0000"/>
-                </a:solidFill>
-                <a:hlinkClick r:id="rId5"/>
-              </a:rPr>
-              <a:t>://code.google.com/p/prestopronto</a:t>
-            </a:r>
-            <a:r>
-              <a:rPr lang="en-US" sz="1400" dirty="0">
-                <a:solidFill>
-                  <a:srgbClr val="FF0000"/>
-                </a:solidFill>
-                <a:hlinkClick r:id="rId5"/>
-              </a:rPr>
-              <a:t>/</a:t>
-            </a:r>
-            <a:endParaRPr lang="en-US" sz="1400" dirty="0">
-              <a:solidFill>
-                <a:srgbClr val="FF0000"/>
-              </a:solidFill>
-            </a:endParaRPr>
-          </a:p>
-        </p:txBody>
-      </p:sp>
       <p:pic>
         <p:nvPicPr>
           <p:cNvPr id="1027" name="Picture 3"/>
@@ -3593,7 +3531,7 @@
           <p:nvPr/>
         </p:nvPicPr>
         <p:blipFill>
-          <a:blip r:embed="rId6" cstate="print"/>
+          <a:blip r:embed="rId5" cstate="print"/>
           <a:srcRect/>
           <a:stretch>
             <a:fillRect/>
@@ -3625,7 +3563,7 @@
           <p:nvPr/>
         </p:nvPicPr>
         <p:blipFill>
-          <a:blip r:embed="rId7" cstate="print"/>
+          <a:blip r:embed="rId6" cstate="print"/>
           <a:srcRect/>
           <a:stretch>
             <a:fillRect/>
@@ -3657,7 +3595,7 @@
           <p:nvPr/>
         </p:nvPicPr>
         <p:blipFill>
-          <a:blip r:embed="rId8" cstate="print"/>
+          <a:blip r:embed="rId7" cstate="print"/>
           <a:srcRect/>
           <a:stretch>
             <a:fillRect/>
@@ -3689,7 +3627,7 @@
           <p:nvPr/>
         </p:nvPicPr>
         <p:blipFill>
-          <a:blip r:embed="rId9" cstate="print"/>
+          <a:blip r:embed="rId8" cstate="print"/>
           <a:srcRect/>
           <a:stretch>
             <a:fillRect/>
@@ -3819,7 +3757,7 @@
           <p:nvPr/>
         </p:nvPicPr>
         <p:blipFill>
-          <a:blip r:embed="rId10" cstate="print"/>
+          <a:blip r:embed="rId9" cstate="print"/>
           <a:srcRect/>
           <a:stretch>
             <a:fillRect/>
@@ -3845,7 +3783,7 @@
     </p:spTree>
     <p:extLst>
       <p:ext uri="{BB962C8B-B14F-4D97-AF65-F5344CB8AC3E}">
-        <p14:creationId xmlns="" xmlns:p14="http://schemas.microsoft.com/office/powerpoint/2010/main" val="4193665439"/>
+        <p14:creationId xmlns:p14="http://schemas.microsoft.com/office/powerpoint/2010/main" val="4193665439"/>
       </p:ext>
     </p:extLst>
   </p:cSld>
